--- a/周记/Week-3 MindSpore模型迁移细节.pptx
+++ b/周记/Week-3 MindSpore模型迁移细节.pptx
@@ -8,7 +8,7 @@
     <p:notesMasterId r:id="rId10"/>
   </p:notesMasterIdLst>
   <p:sldIdLst>
-    <p:sldId id="257" r:id="rId2"/>
+    <p:sldId id="281" r:id="rId2"/>
     <p:sldId id="272" r:id="rId3"/>
     <p:sldId id="267" r:id="rId4"/>
     <p:sldId id="268" r:id="rId5"/>
@@ -215,7 +215,7 @@
           <a:p>
             <a:fld id="{1E5BCEC9-DDE4-4B30-87D6-0017517D5E27}" type="datetimeFigureOut">
               <a:rPr lang="zh-CN" altLang="en-US" smtClean="0"/>
-              <a:t>2023/11/3</a:t>
+              <a:t>2024/2/11</a:t>
             </a:fld>
             <a:endParaRPr lang="zh-CN" altLang="en-US"/>
           </a:p>
@@ -532,7 +532,7 @@
               </a14:hiddenFill>
             </a:ext>
             <a:ext uri="{FAA26D3D-D897-4be2-8F04-BA451C77F1D7}">
-              <ma14:placeholderFlag xmlns="" xmlns:ma14="http://schemas.microsoft.com/office/mac/drawingml/2011/main" val="1"/>
+              <ma14:placeholderFlag xmlns:ma14="http://schemas.microsoft.com/office/mac/drawingml/2011/main" xmlns="" val="1"/>
             </a:ext>
           </a:extLst>
         </p:spPr>
@@ -1151,7 +1151,7 @@
                 <a:tabLst/>
                 <a:defRPr/>
               </a:pPr>
-              <a:t>2023/11/3</a:t>
+              <a:t>2024/2/11</a:t>
             </a:fld>
             <a:endParaRPr kumimoji="0" lang="zh-CN" altLang="en-US" sz="1200" b="1" i="0" u="none" strike="noStrike" kern="1200" cap="none" spc="0" normalizeH="0" baseline="0" noProof="0">
               <a:ln>
@@ -1467,7 +1467,7 @@
                 <a:tabLst/>
                 <a:defRPr/>
               </a:pPr>
-              <a:t>2023/11/3</a:t>
+              <a:t>2024/2/11</a:t>
             </a:fld>
             <a:endParaRPr kumimoji="0" lang="zh-CN" altLang="en-US" sz="1200" b="1" i="0" u="none" strike="noStrike" kern="1200" cap="none" spc="0" normalizeH="0" baseline="0" noProof="0">
               <a:ln>
@@ -1980,7 +1980,7 @@
                 <a:tabLst/>
                 <a:defRPr/>
               </a:pPr>
-              <a:t>2023/11/3</a:t>
+              <a:t>2024/2/11</a:t>
             </a:fld>
             <a:endParaRPr kumimoji="0" lang="zh-CN" altLang="en-US" sz="1200" b="1" i="0" u="none" strike="noStrike" kern="1200" cap="none" spc="0" normalizeH="0" baseline="0" noProof="0">
               <a:ln>
@@ -2494,7 +2494,7 @@
                 <a:tabLst/>
                 <a:defRPr/>
               </a:pPr>
-              <a:t>2023/11/3</a:t>
+              <a:t>2024/2/11</a:t>
             </a:fld>
             <a:endParaRPr kumimoji="0" lang="zh-CN" altLang="en-US" sz="1200" b="1" i="0" u="none" strike="noStrike" kern="1200" cap="none" spc="0" normalizeH="0" baseline="0" noProof="0">
               <a:ln>
@@ -2794,7 +2794,7 @@
                 <a:tabLst/>
                 <a:defRPr/>
               </a:pPr>
-              <a:t>2023/11/3</a:t>
+              <a:t>2024/2/11</a:t>
             </a:fld>
             <a:endParaRPr kumimoji="0" lang="zh-CN" altLang="en-US" sz="1200" b="1" i="0" u="none" strike="noStrike" kern="1200" cap="none" spc="0" normalizeH="0" baseline="0" noProof="0">
               <a:ln>
@@ -3081,7 +3081,7 @@
           <a:p>
             <a:fld id="{7FA7C40F-0D87-4C47-A7B0-B93EF7B2BEDD}" type="datetimeFigureOut">
               <a:rPr lang="zh-CN" altLang="en-US" smtClean="0"/>
-              <a:t>2023/11/3</a:t>
+              <a:t>2024/2/11</a:t>
             </a:fld>
             <a:endParaRPr lang="zh-CN" altLang="en-US"/>
           </a:p>
@@ -3310,7 +3310,7 @@
           <a:p>
             <a:fld id="{7FA7C40F-0D87-4C47-A7B0-B93EF7B2BEDD}" type="datetimeFigureOut">
               <a:rPr lang="zh-CN" altLang="en-US" smtClean="0"/>
-              <a:t>2023/11/3</a:t>
+              <a:t>2024/2/11</a:t>
             </a:fld>
             <a:endParaRPr lang="zh-CN" altLang="en-US"/>
           </a:p>
@@ -3572,7 +3572,7 @@
                 <a:tabLst/>
                 <a:defRPr/>
               </a:pPr>
-              <a:t>2023/11/3</a:t>
+              <a:t>2024/2/11</a:t>
             </a:fld>
             <a:endParaRPr kumimoji="0" lang="zh-CN" altLang="en-US" sz="1200" b="1" i="0" u="none" strike="noStrike" kern="1200" cap="none" spc="0" normalizeH="0" baseline="0" noProof="0">
               <a:ln>
@@ -4070,26 +4070,6 @@
 <file path=ppt/slides/slide1.xml><?xml version="1.0" encoding="utf-8"?>
 <p:sld xmlns:a="http://schemas.openxmlformats.org/drawingml/2006/main" xmlns:r="http://schemas.openxmlformats.org/officeDocument/2006/relationships" xmlns:p="http://schemas.openxmlformats.org/presentationml/2006/main">
   <p:cSld>
-    <p:bg>
-      <p:bgPr>
-        <a:blipFill dpi="0" rotWithShape="0">
-          <a:blip r:embed="rId3" cstate="hqprint">
-            <a:alphaModFix amt="40000"/>
-            <a:lum/>
-            <a:extLst>
-              <a:ext uri="{28A0092B-C50C-407E-A947-70E740481C1C}">
-                <a14:useLocalDpi xmlns:a14="http://schemas.microsoft.com/office/drawing/2010/main"/>
-              </a:ext>
-            </a:extLst>
-          </a:blip>
-          <a:srcRect/>
-          <a:stretch>
-            <a:fillRect/>
-          </a:stretch>
-        </a:blipFill>
-        <a:effectLst/>
-      </p:bgPr>
-    </p:bg>
     <p:spTree>
       <p:nvGrpSpPr>
         <p:cNvPr id="1" name=""/>
@@ -4223,7 +4203,7 @@
             </a:r>
             <a:r>
               <a:rPr lang="zh-CN" altLang="en-US" b="1" dirty="0"/>
-              <a:t>大模型迁移研究与应用</a:t>
+              <a:t>大模型迁移与性能研究</a:t>
             </a:r>
           </a:p>
         </p:txBody>
@@ -4237,7 +4217,7 @@
           <p:nvPr/>
         </p:nvPicPr>
         <p:blipFill>
-          <a:blip r:embed="rId4" cstate="screen">
+          <a:blip r:embed="rId3" cstate="screen">
             <a:extLst>
               <a:ext uri="{28A0092B-C50C-407E-A947-70E740481C1C}">
                 <a14:useLocalDpi xmlns:a14="http://schemas.microsoft.com/office/drawing/2010/main"/>
@@ -4327,7 +4307,7 @@
               <a:rPr lang="en-US" altLang="zh-CN" dirty="0">
                 <a:latin typeface="+mn-ea"/>
               </a:rPr>
-              <a:t>2023.10.26</a:t>
+              <a:t>2023.11.09</a:t>
             </a:r>
             <a:endParaRPr lang="zh-CN" altLang="en-US" dirty="0">
               <a:latin typeface="+mn-ea"/>
@@ -4349,8 +4329,8 @@
         </p:nvSpPr>
         <p:spPr>
           <a:xfrm>
-            <a:off x="5508172" y="4185720"/>
-            <a:ext cx="1175656" cy="461665"/>
+            <a:off x="5435081" y="5780782"/>
+            <a:ext cx="1321836" cy="461665"/>
           </a:xfrm>
           <a:prstGeom prst="rect">
             <a:avLst/>
@@ -4365,16 +4345,60 @@
           <a:p>
             <a:r>
               <a:rPr lang="en-US" altLang="zh-CN" sz="2400" b="1" dirty="0"/>
-              <a:t>Week 1</a:t>
+              <a:t>Week 3</a:t>
             </a:r>
             <a:endParaRPr lang="zh-CN" altLang="en-US" sz="2400" b="1" dirty="0"/>
+          </a:p>
+        </p:txBody>
+      </p:sp>
+      <p:sp>
+        <p:nvSpPr>
+          <p:cNvPr id="7" name="副标题 2">
+            <a:extLst>
+              <a:ext uri="{FF2B5EF4-FFF2-40B4-BE49-F238E27FC236}">
+                <a16:creationId xmlns:a16="http://schemas.microsoft.com/office/drawing/2014/main" id="{CA41BE9F-F188-9F99-99D2-0C3E30548CCB}"/>
+              </a:ext>
+            </a:extLst>
+          </p:cNvPr>
+          <p:cNvSpPr>
+            <a:spLocks noGrp="1"/>
+          </p:cNvSpPr>
+          <p:nvPr>
+            <p:ph type="subTitle" idx="1"/>
+          </p:nvPr>
+        </p:nvSpPr>
+        <p:spPr>
+          <a:xfrm>
+            <a:off x="1524000" y="4005618"/>
+            <a:ext cx="9144000" cy="1970829"/>
+          </a:xfrm>
+        </p:spPr>
+        <p:txBody>
+          <a:bodyPr>
+            <a:normAutofit/>
+          </a:bodyPr>
+          <a:lstStyle/>
+          <a:p>
+            <a:r>
+              <a:rPr lang="en-US" altLang="zh-CN" sz="2800" dirty="0" err="1"/>
+              <a:t>MindSpore</a:t>
+            </a:r>
+            <a:r>
+              <a:rPr lang="zh-CN" altLang="en-US" sz="2800" dirty="0"/>
+              <a:t>模型迁移细节</a:t>
+            </a:r>
+            <a:r>
+              <a:rPr lang="en-US" altLang="zh-CN" sz="2800" dirty="0"/>
+              <a:t>(stage 1)</a:t>
+            </a:r>
+            <a:endParaRPr lang="zh-CN" altLang="en-US" sz="2800" dirty="0"/>
           </a:p>
         </p:txBody>
       </p:sp>
     </p:spTree>
     <p:extLst>
       <p:ext uri="{BB962C8B-B14F-4D97-AF65-F5344CB8AC3E}">
-        <p14:creationId xmlns:p14="http://schemas.microsoft.com/office/powerpoint/2010/main" val="648486646"/>
+        <p14:creationId xmlns:p14="http://schemas.microsoft.com/office/powerpoint/2010/main" val="1777630813"/>
       </p:ext>
     </p:extLst>
   </p:cSld>
